--- a/Front-End/Web-flow/Gestione Domicili.pptx
+++ b/Front-End/Web-flow/Gestione Domicili.pptx
@@ -24,6 +24,14 @@
     <p:sldId id="272" r:id="rId18"/>
     <p:sldId id="273" r:id="rId19"/>
     <p:sldId id="274" r:id="rId20"/>
+    <p:sldId id="275" r:id="rId21"/>
+    <p:sldId id="276" r:id="rId22"/>
+    <p:sldId id="277" r:id="rId23"/>
+    <p:sldId id="278" r:id="rId24"/>
+    <p:sldId id="279" r:id="rId25"/>
+    <p:sldId id="280" r:id="rId26"/>
+    <p:sldId id="281" r:id="rId27"/>
+    <p:sldId id="282" r:id="rId28"/>
   </p:sldIdLst>
   <p:sldSz cx="12192000" cy="6858000"/>
   <p:notesSz cx="6858000" cy="9144000"/>
@@ -122,6 +130,11 @@
       </a:defRPr>
     </a:lvl9pPr>
   </p:defaultTextStyle>
+  <p:extLst>
+    <p:ext uri="{EFAFB233-063F-42B5-8137-9DF3F51BA10A}">
+      <p15:sldGuideLst xmlns:p15="http://schemas.microsoft.com/office/powerpoint/2012/main"/>
+    </p:ext>
+  </p:extLst>
 </p:presentation>
 </file>
 
@@ -272,7 +285,7 @@
           <a:p>
             <a:fld id="{E13C9E6E-C3AA-456B-8F8B-F3BA33170EFB}" type="datetimeFigureOut">
               <a:rPr lang="it-IT" smtClean="0"/>
-              <a:t>22/05/2021</a:t>
+              <a:t>25/05/2021</a:t>
             </a:fld>
             <a:endParaRPr lang="it-IT"/>
           </a:p>
@@ -470,7 +483,7 @@
           <a:p>
             <a:fld id="{E13C9E6E-C3AA-456B-8F8B-F3BA33170EFB}" type="datetimeFigureOut">
               <a:rPr lang="it-IT" smtClean="0"/>
-              <a:t>22/05/2021</a:t>
+              <a:t>25/05/2021</a:t>
             </a:fld>
             <a:endParaRPr lang="it-IT"/>
           </a:p>
@@ -678,7 +691,7 @@
           <a:p>
             <a:fld id="{E13C9E6E-C3AA-456B-8F8B-F3BA33170EFB}" type="datetimeFigureOut">
               <a:rPr lang="it-IT" smtClean="0"/>
-              <a:t>22/05/2021</a:t>
+              <a:t>25/05/2021</a:t>
             </a:fld>
             <a:endParaRPr lang="it-IT"/>
           </a:p>
@@ -876,7 +889,7 @@
           <a:p>
             <a:fld id="{E13C9E6E-C3AA-456B-8F8B-F3BA33170EFB}" type="datetimeFigureOut">
               <a:rPr lang="it-IT" smtClean="0"/>
-              <a:t>22/05/2021</a:t>
+              <a:t>25/05/2021</a:t>
             </a:fld>
             <a:endParaRPr lang="it-IT"/>
           </a:p>
@@ -1151,7 +1164,7 @@
           <a:p>
             <a:fld id="{E13C9E6E-C3AA-456B-8F8B-F3BA33170EFB}" type="datetimeFigureOut">
               <a:rPr lang="it-IT" smtClean="0"/>
-              <a:t>22/05/2021</a:t>
+              <a:t>25/05/2021</a:t>
             </a:fld>
             <a:endParaRPr lang="it-IT"/>
           </a:p>
@@ -1416,7 +1429,7 @@
           <a:p>
             <a:fld id="{E13C9E6E-C3AA-456B-8F8B-F3BA33170EFB}" type="datetimeFigureOut">
               <a:rPr lang="it-IT" smtClean="0"/>
-              <a:t>22/05/2021</a:t>
+              <a:t>25/05/2021</a:t>
             </a:fld>
             <a:endParaRPr lang="it-IT"/>
           </a:p>
@@ -1828,7 +1841,7 @@
           <a:p>
             <a:fld id="{E13C9E6E-C3AA-456B-8F8B-F3BA33170EFB}" type="datetimeFigureOut">
               <a:rPr lang="it-IT" smtClean="0"/>
-              <a:t>22/05/2021</a:t>
+              <a:t>25/05/2021</a:t>
             </a:fld>
             <a:endParaRPr lang="it-IT"/>
           </a:p>
@@ -1969,7 +1982,7 @@
           <a:p>
             <a:fld id="{E13C9E6E-C3AA-456B-8F8B-F3BA33170EFB}" type="datetimeFigureOut">
               <a:rPr lang="it-IT" smtClean="0"/>
-              <a:t>22/05/2021</a:t>
+              <a:t>25/05/2021</a:t>
             </a:fld>
             <a:endParaRPr lang="it-IT"/>
           </a:p>
@@ -2082,7 +2095,7 @@
           <a:p>
             <a:fld id="{E13C9E6E-C3AA-456B-8F8B-F3BA33170EFB}" type="datetimeFigureOut">
               <a:rPr lang="it-IT" smtClean="0"/>
-              <a:t>22/05/2021</a:t>
+              <a:t>25/05/2021</a:t>
             </a:fld>
             <a:endParaRPr lang="it-IT"/>
           </a:p>
@@ -2393,7 +2406,7 @@
           <a:p>
             <a:fld id="{E13C9E6E-C3AA-456B-8F8B-F3BA33170EFB}" type="datetimeFigureOut">
               <a:rPr lang="it-IT" smtClean="0"/>
-              <a:t>22/05/2021</a:t>
+              <a:t>25/05/2021</a:t>
             </a:fld>
             <a:endParaRPr lang="it-IT"/>
           </a:p>
@@ -2681,7 +2694,7 @@
           <a:p>
             <a:fld id="{E13C9E6E-C3AA-456B-8F8B-F3BA33170EFB}" type="datetimeFigureOut">
               <a:rPr lang="it-IT" smtClean="0"/>
-              <a:t>22/05/2021</a:t>
+              <a:t>25/05/2021</a:t>
             </a:fld>
             <a:endParaRPr lang="it-IT"/>
           </a:p>
@@ -2922,7 +2935,7 @@
           <a:p>
             <a:fld id="{E13C9E6E-C3AA-456B-8F8B-F3BA33170EFB}" type="datetimeFigureOut">
               <a:rPr lang="it-IT" smtClean="0"/>
-              <a:t>22/05/2021</a:t>
+              <a:t>25/05/2021</a:t>
             </a:fld>
             <a:endParaRPr lang="it-IT"/>
           </a:p>
@@ -4400,6 +4413,1109 @@
 </p:sld>
 </file>
 
+<file path=ppt/slides/slide20.xml><?xml version="1.0" encoding="utf-8"?>
+<p:sld xmlns:a="http://schemas.openxmlformats.org/drawingml/2006/main" xmlns:r="http://schemas.openxmlformats.org/officeDocument/2006/relationships" xmlns:p="http://schemas.openxmlformats.org/presentationml/2006/main">
+  <p:cSld>
+    <p:spTree>
+      <p:nvGrpSpPr>
+        <p:cNvPr id="1" name=""/>
+        <p:cNvGrpSpPr/>
+        <p:nvPr/>
+      </p:nvGrpSpPr>
+      <p:grpSpPr>
+        <a:xfrm>
+          <a:off x="0" y="0"/>
+          <a:ext cx="0" cy="0"/>
+          <a:chOff x="0" y="0"/>
+          <a:chExt cx="0" cy="0"/>
+        </a:xfrm>
+      </p:grpSpPr>
+      <p:sp>
+        <p:nvSpPr>
+          <p:cNvPr id="2" name="Titolo 1">
+            <a:extLst>
+              <a:ext uri="{FF2B5EF4-FFF2-40B4-BE49-F238E27FC236}">
+                <a16:creationId xmlns:a16="http://schemas.microsoft.com/office/drawing/2014/main" id="{D499CD6E-9901-4FFE-8310-7013B002129C}"/>
+              </a:ext>
+            </a:extLst>
+          </p:cNvPr>
+          <p:cNvSpPr>
+            <a:spLocks noGrp="1"/>
+          </p:cNvSpPr>
+          <p:nvPr>
+            <p:ph type="title"/>
+          </p:nvPr>
+        </p:nvSpPr>
+        <p:spPr/>
+        <p:txBody>
+          <a:bodyPr/>
+          <a:lstStyle/>
+          <a:p>
+            <a:r>
+              <a:rPr lang="it-IT" dirty="0"/>
+              <a:t>Ordine domicilio</a:t>
+            </a:r>
+          </a:p>
+        </p:txBody>
+      </p:sp>
+      <p:sp>
+        <p:nvSpPr>
+          <p:cNvPr id="3" name="Segnaposto contenuto 2">
+            <a:extLst>
+              <a:ext uri="{FF2B5EF4-FFF2-40B4-BE49-F238E27FC236}">
+                <a16:creationId xmlns:a16="http://schemas.microsoft.com/office/drawing/2014/main" id="{B3E6678D-B204-4437-9DCE-470CBF416497}"/>
+              </a:ext>
+            </a:extLst>
+          </p:cNvPr>
+          <p:cNvSpPr>
+            <a:spLocks noGrp="1"/>
+          </p:cNvSpPr>
+          <p:nvPr>
+            <p:ph idx="1"/>
+          </p:nvPr>
+        </p:nvSpPr>
+        <p:spPr/>
+        <p:txBody>
+          <a:bodyPr/>
+          <a:lstStyle/>
+          <a:p>
+            <a:endParaRPr lang="it-IT"/>
+          </a:p>
+        </p:txBody>
+      </p:sp>
+    </p:spTree>
+    <p:extLst>
+      <p:ext uri="{BB962C8B-B14F-4D97-AF65-F5344CB8AC3E}">
+        <p14:creationId xmlns:p14="http://schemas.microsoft.com/office/powerpoint/2010/main" val="3137959403"/>
+      </p:ext>
+    </p:extLst>
+  </p:cSld>
+  <p:clrMapOvr>
+    <a:masterClrMapping/>
+  </p:clrMapOvr>
+</p:sld>
+</file>
+
+<file path=ppt/slides/slide21.xml><?xml version="1.0" encoding="utf-8"?>
+<p:sld xmlns:a="http://schemas.openxmlformats.org/drawingml/2006/main" xmlns:r="http://schemas.openxmlformats.org/officeDocument/2006/relationships" xmlns:p="http://schemas.openxmlformats.org/presentationml/2006/main">
+  <p:cSld>
+    <p:spTree>
+      <p:nvGrpSpPr>
+        <p:cNvPr id="1" name=""/>
+        <p:cNvGrpSpPr/>
+        <p:nvPr/>
+      </p:nvGrpSpPr>
+      <p:grpSpPr>
+        <a:xfrm>
+          <a:off x="0" y="0"/>
+          <a:ext cx="0" cy="0"/>
+          <a:chOff x="0" y="0"/>
+          <a:chExt cx="0" cy="0"/>
+        </a:xfrm>
+      </p:grpSpPr>
+      <p:pic>
+        <p:nvPicPr>
+          <p:cNvPr id="5" name="Immagine 4">
+            <a:extLst>
+              <a:ext uri="{FF2B5EF4-FFF2-40B4-BE49-F238E27FC236}">
+                <a16:creationId xmlns:a16="http://schemas.microsoft.com/office/drawing/2014/main" id="{36477985-09AE-40D1-B92F-7D3ECF056515}"/>
+              </a:ext>
+            </a:extLst>
+          </p:cNvPr>
+          <p:cNvPicPr>
+            <a:picLocks noChangeAspect="1"/>
+          </p:cNvPicPr>
+          <p:nvPr/>
+        </p:nvPicPr>
+        <p:blipFill>
+          <a:blip r:embed="rId2">
+            <a:extLst>
+              <a:ext uri="{28A0092B-C50C-407E-A947-70E740481C1C}">
+                <a14:useLocalDpi xmlns:a14="http://schemas.microsoft.com/office/drawing/2010/main" val="0"/>
+              </a:ext>
+            </a:extLst>
+          </a:blip>
+          <a:stretch>
+            <a:fillRect/>
+          </a:stretch>
+        </p:blipFill>
+        <p:spPr>
+          <a:xfrm>
+            <a:off x="1425" y="0"/>
+            <a:ext cx="12189149" cy="6858000"/>
+          </a:xfrm>
+          <a:prstGeom prst="rect">
+            <a:avLst/>
+          </a:prstGeom>
+        </p:spPr>
+      </p:pic>
+      <p:sp>
+        <p:nvSpPr>
+          <p:cNvPr id="6" name="Freccia a destra 5">
+            <a:extLst>
+              <a:ext uri="{FF2B5EF4-FFF2-40B4-BE49-F238E27FC236}">
+                <a16:creationId xmlns:a16="http://schemas.microsoft.com/office/drawing/2014/main" id="{6433598A-5009-4639-8775-21BB20B3A742}"/>
+              </a:ext>
+            </a:extLst>
+          </p:cNvPr>
+          <p:cNvSpPr/>
+          <p:nvPr/>
+        </p:nvSpPr>
+        <p:spPr>
+          <a:xfrm rot="13346563">
+            <a:off x="4586382" y="5099393"/>
+            <a:ext cx="1063690" cy="522514"/>
+          </a:xfrm>
+          <a:prstGeom prst="rightArrow">
+            <a:avLst/>
+          </a:prstGeom>
+        </p:spPr>
+        <p:style>
+          <a:lnRef idx="2">
+            <a:schemeClr val="accent1">
+              <a:shade val="50000"/>
+            </a:schemeClr>
+          </a:lnRef>
+          <a:fillRef idx="1">
+            <a:schemeClr val="accent1"/>
+          </a:fillRef>
+          <a:effectRef idx="0">
+            <a:schemeClr val="accent1"/>
+          </a:effectRef>
+          <a:fontRef idx="minor">
+            <a:schemeClr val="lt1"/>
+          </a:fontRef>
+        </p:style>
+        <p:txBody>
+          <a:bodyPr rtlCol="0" anchor="ctr"/>
+          <a:lstStyle/>
+          <a:p>
+            <a:pPr algn="ctr"/>
+            <a:endParaRPr lang="it-IT">
+              <a:ln w="0"/>
+              <a:solidFill>
+                <a:schemeClr val="tx1"/>
+              </a:solidFill>
+              <a:effectLst>
+                <a:outerShdw blurRad="38100" dist="19050" dir="2700000" algn="tl" rotWithShape="0">
+                  <a:schemeClr val="dk1">
+                    <a:alpha val="40000"/>
+                  </a:schemeClr>
+                </a:outerShdw>
+              </a:effectLst>
+            </a:endParaRPr>
+          </a:p>
+        </p:txBody>
+      </p:sp>
+      <p:sp>
+        <p:nvSpPr>
+          <p:cNvPr id="7" name="CasellaDiTesto 6">
+            <a:extLst>
+              <a:ext uri="{FF2B5EF4-FFF2-40B4-BE49-F238E27FC236}">
+                <a16:creationId xmlns:a16="http://schemas.microsoft.com/office/drawing/2014/main" id="{E3053BEC-E841-4E39-BF32-D420D9C0C408}"/>
+              </a:ext>
+            </a:extLst>
+          </p:cNvPr>
+          <p:cNvSpPr txBox="1"/>
+          <p:nvPr/>
+        </p:nvSpPr>
+        <p:spPr>
+          <a:xfrm>
+            <a:off x="5581286" y="5543031"/>
+            <a:ext cx="2043280" cy="369332"/>
+          </a:xfrm>
+          <a:prstGeom prst="rect">
+            <a:avLst/>
+          </a:prstGeom>
+          <a:noFill/>
+        </p:spPr>
+        <p:txBody>
+          <a:bodyPr wrap="square" rtlCol="0">
+            <a:spAutoFit/>
+          </a:bodyPr>
+          <a:lstStyle/>
+          <a:p>
+            <a:r>
+              <a:rPr lang="it-IT" dirty="0"/>
+              <a:t>Click qui</a:t>
+            </a:r>
+          </a:p>
+        </p:txBody>
+      </p:sp>
+    </p:spTree>
+    <p:extLst>
+      <p:ext uri="{BB962C8B-B14F-4D97-AF65-F5344CB8AC3E}">
+        <p14:creationId xmlns:p14="http://schemas.microsoft.com/office/powerpoint/2010/main" val="982716122"/>
+      </p:ext>
+    </p:extLst>
+  </p:cSld>
+  <p:clrMapOvr>
+    <a:masterClrMapping/>
+  </p:clrMapOvr>
+</p:sld>
+</file>
+
+<file path=ppt/slides/slide22.xml><?xml version="1.0" encoding="utf-8"?>
+<p:sld xmlns:a="http://schemas.openxmlformats.org/drawingml/2006/main" xmlns:r="http://schemas.openxmlformats.org/officeDocument/2006/relationships" xmlns:p="http://schemas.openxmlformats.org/presentationml/2006/main">
+  <p:cSld>
+    <p:spTree>
+      <p:nvGrpSpPr>
+        <p:cNvPr id="1" name=""/>
+        <p:cNvGrpSpPr/>
+        <p:nvPr/>
+      </p:nvGrpSpPr>
+      <p:grpSpPr>
+        <a:xfrm>
+          <a:off x="0" y="0"/>
+          <a:ext cx="0" cy="0"/>
+          <a:chOff x="0" y="0"/>
+          <a:chExt cx="0" cy="0"/>
+        </a:xfrm>
+      </p:grpSpPr>
+      <p:pic>
+        <p:nvPicPr>
+          <p:cNvPr id="5" name="Immagine 4">
+            <a:extLst>
+              <a:ext uri="{FF2B5EF4-FFF2-40B4-BE49-F238E27FC236}">
+                <a16:creationId xmlns:a16="http://schemas.microsoft.com/office/drawing/2014/main" id="{8908A946-3B99-479D-88A1-7918F87EF887}"/>
+              </a:ext>
+            </a:extLst>
+          </p:cNvPr>
+          <p:cNvPicPr>
+            <a:picLocks noChangeAspect="1"/>
+          </p:cNvPicPr>
+          <p:nvPr/>
+        </p:nvPicPr>
+        <p:blipFill>
+          <a:blip r:embed="rId2">
+            <a:extLst>
+              <a:ext uri="{28A0092B-C50C-407E-A947-70E740481C1C}">
+                <a14:useLocalDpi xmlns:a14="http://schemas.microsoft.com/office/drawing/2010/main" val="0"/>
+              </a:ext>
+            </a:extLst>
+          </a:blip>
+          <a:stretch>
+            <a:fillRect/>
+          </a:stretch>
+        </p:blipFill>
+        <p:spPr>
+          <a:xfrm>
+            <a:off x="1425" y="0"/>
+            <a:ext cx="12189149" cy="6858000"/>
+          </a:xfrm>
+          <a:prstGeom prst="rect">
+            <a:avLst/>
+          </a:prstGeom>
+        </p:spPr>
+      </p:pic>
+      <p:sp>
+        <p:nvSpPr>
+          <p:cNvPr id="6" name="Freccia a destra 5">
+            <a:extLst>
+              <a:ext uri="{FF2B5EF4-FFF2-40B4-BE49-F238E27FC236}">
+                <a16:creationId xmlns:a16="http://schemas.microsoft.com/office/drawing/2014/main" id="{A684978B-A6B2-49B2-86FB-1146D0278288}"/>
+              </a:ext>
+            </a:extLst>
+          </p:cNvPr>
+          <p:cNvSpPr/>
+          <p:nvPr/>
+        </p:nvSpPr>
+        <p:spPr>
+          <a:xfrm rot="4880125">
+            <a:off x="10039226" y="5107783"/>
+            <a:ext cx="1063690" cy="522514"/>
+          </a:xfrm>
+          <a:prstGeom prst="rightArrow">
+            <a:avLst/>
+          </a:prstGeom>
+        </p:spPr>
+        <p:style>
+          <a:lnRef idx="2">
+            <a:schemeClr val="accent1">
+              <a:shade val="50000"/>
+            </a:schemeClr>
+          </a:lnRef>
+          <a:fillRef idx="1">
+            <a:schemeClr val="accent1"/>
+          </a:fillRef>
+          <a:effectRef idx="0">
+            <a:schemeClr val="accent1"/>
+          </a:effectRef>
+          <a:fontRef idx="minor">
+            <a:schemeClr val="lt1"/>
+          </a:fontRef>
+        </p:style>
+        <p:txBody>
+          <a:bodyPr rtlCol="0" anchor="ctr"/>
+          <a:lstStyle/>
+          <a:p>
+            <a:pPr algn="ctr"/>
+            <a:endParaRPr lang="it-IT">
+              <a:ln w="0"/>
+              <a:solidFill>
+                <a:schemeClr val="tx1"/>
+              </a:solidFill>
+              <a:effectLst>
+                <a:outerShdw blurRad="38100" dist="19050" dir="2700000" algn="tl" rotWithShape="0">
+                  <a:schemeClr val="dk1">
+                    <a:alpha val="40000"/>
+                  </a:schemeClr>
+                </a:outerShdw>
+              </a:effectLst>
+            </a:endParaRPr>
+          </a:p>
+        </p:txBody>
+      </p:sp>
+      <p:sp>
+        <p:nvSpPr>
+          <p:cNvPr id="7" name="CasellaDiTesto 6">
+            <a:extLst>
+              <a:ext uri="{FF2B5EF4-FFF2-40B4-BE49-F238E27FC236}">
+                <a16:creationId xmlns:a16="http://schemas.microsoft.com/office/drawing/2014/main" id="{F14F56F3-937E-45D3-9667-AD208295074D}"/>
+              </a:ext>
+            </a:extLst>
+          </p:cNvPr>
+          <p:cNvSpPr txBox="1"/>
+          <p:nvPr/>
+        </p:nvSpPr>
+        <p:spPr>
+          <a:xfrm>
+            <a:off x="10816017" y="5442364"/>
+            <a:ext cx="2043280" cy="369332"/>
+          </a:xfrm>
+          <a:prstGeom prst="rect">
+            <a:avLst/>
+          </a:prstGeom>
+          <a:noFill/>
+        </p:spPr>
+        <p:txBody>
+          <a:bodyPr wrap="square" rtlCol="0">
+            <a:spAutoFit/>
+          </a:bodyPr>
+          <a:lstStyle/>
+          <a:p>
+            <a:r>
+              <a:rPr lang="it-IT" dirty="0"/>
+              <a:t>Click qui</a:t>
+            </a:r>
+          </a:p>
+        </p:txBody>
+      </p:sp>
+    </p:spTree>
+    <p:extLst>
+      <p:ext uri="{BB962C8B-B14F-4D97-AF65-F5344CB8AC3E}">
+        <p14:creationId xmlns:p14="http://schemas.microsoft.com/office/powerpoint/2010/main" val="1041968953"/>
+      </p:ext>
+    </p:extLst>
+  </p:cSld>
+  <p:clrMapOvr>
+    <a:masterClrMapping/>
+  </p:clrMapOvr>
+</p:sld>
+</file>
+
+<file path=ppt/slides/slide23.xml><?xml version="1.0" encoding="utf-8"?>
+<p:sld xmlns:a="http://schemas.openxmlformats.org/drawingml/2006/main" xmlns:r="http://schemas.openxmlformats.org/officeDocument/2006/relationships" xmlns:p="http://schemas.openxmlformats.org/presentationml/2006/main">
+  <p:cSld>
+    <p:spTree>
+      <p:nvGrpSpPr>
+        <p:cNvPr id="1" name=""/>
+        <p:cNvGrpSpPr/>
+        <p:nvPr/>
+      </p:nvGrpSpPr>
+      <p:grpSpPr>
+        <a:xfrm>
+          <a:off x="0" y="0"/>
+          <a:ext cx="0" cy="0"/>
+          <a:chOff x="0" y="0"/>
+          <a:chExt cx="0" cy="0"/>
+        </a:xfrm>
+      </p:grpSpPr>
+      <p:pic>
+        <p:nvPicPr>
+          <p:cNvPr id="5" name="Immagine 4" descr="Immagine che contiene testo&#10;&#10;Descrizione generata automaticamente">
+            <a:extLst>
+              <a:ext uri="{FF2B5EF4-FFF2-40B4-BE49-F238E27FC236}">
+                <a16:creationId xmlns:a16="http://schemas.microsoft.com/office/drawing/2014/main" id="{0EA891A4-8DB7-4C2C-AC57-87C800C2F523}"/>
+              </a:ext>
+            </a:extLst>
+          </p:cNvPr>
+          <p:cNvPicPr>
+            <a:picLocks noChangeAspect="1"/>
+          </p:cNvPicPr>
+          <p:nvPr/>
+        </p:nvPicPr>
+        <p:blipFill>
+          <a:blip r:embed="rId2">
+            <a:extLst>
+              <a:ext uri="{28A0092B-C50C-407E-A947-70E740481C1C}">
+                <a14:useLocalDpi xmlns:a14="http://schemas.microsoft.com/office/drawing/2010/main" val="0"/>
+              </a:ext>
+            </a:extLst>
+          </a:blip>
+          <a:stretch>
+            <a:fillRect/>
+          </a:stretch>
+        </p:blipFill>
+        <p:spPr>
+          <a:xfrm>
+            <a:off x="1425" y="0"/>
+            <a:ext cx="12189149" cy="6858000"/>
+          </a:xfrm>
+          <a:prstGeom prst="rect">
+            <a:avLst/>
+          </a:prstGeom>
+        </p:spPr>
+      </p:pic>
+      <p:sp>
+        <p:nvSpPr>
+          <p:cNvPr id="6" name="Freccia a destra 5">
+            <a:extLst>
+              <a:ext uri="{FF2B5EF4-FFF2-40B4-BE49-F238E27FC236}">
+                <a16:creationId xmlns:a16="http://schemas.microsoft.com/office/drawing/2014/main" id="{92ACA9C8-6F84-4E7D-8DAE-7B02D7A64250}"/>
+              </a:ext>
+            </a:extLst>
+          </p:cNvPr>
+          <p:cNvSpPr/>
+          <p:nvPr/>
+        </p:nvSpPr>
+        <p:spPr>
+          <a:xfrm rot="13346563">
+            <a:off x="7153413" y="3882988"/>
+            <a:ext cx="1063690" cy="522514"/>
+          </a:xfrm>
+          <a:prstGeom prst="rightArrow">
+            <a:avLst/>
+          </a:prstGeom>
+        </p:spPr>
+        <p:style>
+          <a:lnRef idx="2">
+            <a:schemeClr val="accent1">
+              <a:shade val="50000"/>
+            </a:schemeClr>
+          </a:lnRef>
+          <a:fillRef idx="1">
+            <a:schemeClr val="accent1"/>
+          </a:fillRef>
+          <a:effectRef idx="0">
+            <a:schemeClr val="accent1"/>
+          </a:effectRef>
+          <a:fontRef idx="minor">
+            <a:schemeClr val="lt1"/>
+          </a:fontRef>
+        </p:style>
+        <p:txBody>
+          <a:bodyPr rtlCol="0" anchor="ctr"/>
+          <a:lstStyle/>
+          <a:p>
+            <a:pPr algn="ctr"/>
+            <a:endParaRPr lang="it-IT">
+              <a:ln w="0"/>
+              <a:solidFill>
+                <a:schemeClr val="tx1"/>
+              </a:solidFill>
+              <a:effectLst>
+                <a:outerShdw blurRad="38100" dist="19050" dir="2700000" algn="tl" rotWithShape="0">
+                  <a:schemeClr val="dk1">
+                    <a:alpha val="40000"/>
+                  </a:schemeClr>
+                </a:outerShdw>
+              </a:effectLst>
+            </a:endParaRPr>
+          </a:p>
+        </p:txBody>
+      </p:sp>
+      <p:sp>
+        <p:nvSpPr>
+          <p:cNvPr id="7" name="CasellaDiTesto 6">
+            <a:extLst>
+              <a:ext uri="{FF2B5EF4-FFF2-40B4-BE49-F238E27FC236}">
+                <a16:creationId xmlns:a16="http://schemas.microsoft.com/office/drawing/2014/main" id="{E6A7F16C-E3A9-46EB-A5B1-8DCE866EF06F}"/>
+              </a:ext>
+            </a:extLst>
+          </p:cNvPr>
+          <p:cNvSpPr txBox="1"/>
+          <p:nvPr/>
+        </p:nvSpPr>
+        <p:spPr>
+          <a:xfrm>
+            <a:off x="7443642" y="4628630"/>
+            <a:ext cx="2043280" cy="369332"/>
+          </a:xfrm>
+          <a:prstGeom prst="rect">
+            <a:avLst/>
+          </a:prstGeom>
+          <a:noFill/>
+        </p:spPr>
+        <p:txBody>
+          <a:bodyPr wrap="square" rtlCol="0">
+            <a:spAutoFit/>
+          </a:bodyPr>
+          <a:lstStyle/>
+          <a:p>
+            <a:r>
+              <a:rPr lang="it-IT" dirty="0"/>
+              <a:t>Click qui</a:t>
+            </a:r>
+          </a:p>
+        </p:txBody>
+      </p:sp>
+    </p:spTree>
+    <p:extLst>
+      <p:ext uri="{BB962C8B-B14F-4D97-AF65-F5344CB8AC3E}">
+        <p14:creationId xmlns:p14="http://schemas.microsoft.com/office/powerpoint/2010/main" val="1101419587"/>
+      </p:ext>
+    </p:extLst>
+  </p:cSld>
+  <p:clrMapOvr>
+    <a:masterClrMapping/>
+  </p:clrMapOvr>
+</p:sld>
+</file>
+
+<file path=ppt/slides/slide24.xml><?xml version="1.0" encoding="utf-8"?>
+<p:sld xmlns:a="http://schemas.openxmlformats.org/drawingml/2006/main" xmlns:r="http://schemas.openxmlformats.org/officeDocument/2006/relationships" xmlns:p="http://schemas.openxmlformats.org/presentationml/2006/main">
+  <p:cSld>
+    <p:spTree>
+      <p:nvGrpSpPr>
+        <p:cNvPr id="1" name=""/>
+        <p:cNvGrpSpPr/>
+        <p:nvPr/>
+      </p:nvGrpSpPr>
+      <p:grpSpPr>
+        <a:xfrm>
+          <a:off x="0" y="0"/>
+          <a:ext cx="0" cy="0"/>
+          <a:chOff x="0" y="0"/>
+          <a:chExt cx="0" cy="0"/>
+        </a:xfrm>
+      </p:grpSpPr>
+      <p:pic>
+        <p:nvPicPr>
+          <p:cNvPr id="5" name="Immagine 4">
+            <a:extLst>
+              <a:ext uri="{FF2B5EF4-FFF2-40B4-BE49-F238E27FC236}">
+                <a16:creationId xmlns:a16="http://schemas.microsoft.com/office/drawing/2014/main" id="{13F97955-2B5B-4A3B-8F79-BC0AACECB77E}"/>
+              </a:ext>
+            </a:extLst>
+          </p:cNvPr>
+          <p:cNvPicPr>
+            <a:picLocks noChangeAspect="1"/>
+          </p:cNvPicPr>
+          <p:nvPr/>
+        </p:nvPicPr>
+        <p:blipFill>
+          <a:blip r:embed="rId2">
+            <a:extLst>
+              <a:ext uri="{28A0092B-C50C-407E-A947-70E740481C1C}">
+                <a14:useLocalDpi xmlns:a14="http://schemas.microsoft.com/office/drawing/2010/main" val="0"/>
+              </a:ext>
+            </a:extLst>
+          </a:blip>
+          <a:stretch>
+            <a:fillRect/>
+          </a:stretch>
+        </p:blipFill>
+        <p:spPr>
+          <a:xfrm>
+            <a:off x="1425" y="0"/>
+            <a:ext cx="12189149" cy="6858000"/>
+          </a:xfrm>
+          <a:prstGeom prst="rect">
+            <a:avLst/>
+          </a:prstGeom>
+        </p:spPr>
+      </p:pic>
+      <p:sp>
+        <p:nvSpPr>
+          <p:cNvPr id="6" name="Freccia a destra 5">
+            <a:extLst>
+              <a:ext uri="{FF2B5EF4-FFF2-40B4-BE49-F238E27FC236}">
+                <a16:creationId xmlns:a16="http://schemas.microsoft.com/office/drawing/2014/main" id="{64085528-B6F4-4A32-B1E9-BB57916F6A09}"/>
+              </a:ext>
+            </a:extLst>
+          </p:cNvPr>
+          <p:cNvSpPr/>
+          <p:nvPr/>
+        </p:nvSpPr>
+        <p:spPr>
+          <a:xfrm rot="13346563">
+            <a:off x="4863219" y="4805780"/>
+            <a:ext cx="1063690" cy="522514"/>
+          </a:xfrm>
+          <a:prstGeom prst="rightArrow">
+            <a:avLst/>
+          </a:prstGeom>
+        </p:spPr>
+        <p:style>
+          <a:lnRef idx="2">
+            <a:schemeClr val="accent1">
+              <a:shade val="50000"/>
+            </a:schemeClr>
+          </a:lnRef>
+          <a:fillRef idx="1">
+            <a:schemeClr val="accent1"/>
+          </a:fillRef>
+          <a:effectRef idx="0">
+            <a:schemeClr val="accent1"/>
+          </a:effectRef>
+          <a:fontRef idx="minor">
+            <a:schemeClr val="lt1"/>
+          </a:fontRef>
+        </p:style>
+        <p:txBody>
+          <a:bodyPr rtlCol="0" anchor="ctr"/>
+          <a:lstStyle/>
+          <a:p>
+            <a:pPr algn="ctr"/>
+            <a:endParaRPr lang="it-IT">
+              <a:ln w="0"/>
+              <a:solidFill>
+                <a:schemeClr val="tx1"/>
+              </a:solidFill>
+              <a:effectLst>
+                <a:outerShdw blurRad="38100" dist="19050" dir="2700000" algn="tl" rotWithShape="0">
+                  <a:schemeClr val="dk1">
+                    <a:alpha val="40000"/>
+                  </a:schemeClr>
+                </a:outerShdw>
+              </a:effectLst>
+            </a:endParaRPr>
+          </a:p>
+        </p:txBody>
+      </p:sp>
+      <p:sp>
+        <p:nvSpPr>
+          <p:cNvPr id="7" name="CasellaDiTesto 6">
+            <a:extLst>
+              <a:ext uri="{FF2B5EF4-FFF2-40B4-BE49-F238E27FC236}">
+                <a16:creationId xmlns:a16="http://schemas.microsoft.com/office/drawing/2014/main" id="{B441087F-901F-4FBC-B914-086220C61798}"/>
+              </a:ext>
+            </a:extLst>
+          </p:cNvPr>
+          <p:cNvSpPr txBox="1"/>
+          <p:nvPr/>
+        </p:nvSpPr>
+        <p:spPr>
+          <a:xfrm>
+            <a:off x="5858123" y="5249418"/>
+            <a:ext cx="2043280" cy="369332"/>
+          </a:xfrm>
+          <a:prstGeom prst="rect">
+            <a:avLst/>
+          </a:prstGeom>
+          <a:noFill/>
+        </p:spPr>
+        <p:txBody>
+          <a:bodyPr wrap="square" rtlCol="0">
+            <a:spAutoFit/>
+          </a:bodyPr>
+          <a:lstStyle/>
+          <a:p>
+            <a:r>
+              <a:rPr lang="it-IT" dirty="0"/>
+              <a:t>Click qui</a:t>
+            </a:r>
+          </a:p>
+        </p:txBody>
+      </p:sp>
+    </p:spTree>
+    <p:extLst>
+      <p:ext uri="{BB962C8B-B14F-4D97-AF65-F5344CB8AC3E}">
+        <p14:creationId xmlns:p14="http://schemas.microsoft.com/office/powerpoint/2010/main" val="2340030550"/>
+      </p:ext>
+    </p:extLst>
+  </p:cSld>
+  <p:clrMapOvr>
+    <a:masterClrMapping/>
+  </p:clrMapOvr>
+</p:sld>
+</file>
+
+<file path=ppt/slides/slide25.xml><?xml version="1.0" encoding="utf-8"?>
+<p:sld xmlns:a="http://schemas.openxmlformats.org/drawingml/2006/main" xmlns:r="http://schemas.openxmlformats.org/officeDocument/2006/relationships" xmlns:p="http://schemas.openxmlformats.org/presentationml/2006/main">
+  <p:cSld>
+    <p:spTree>
+      <p:nvGrpSpPr>
+        <p:cNvPr id="1" name=""/>
+        <p:cNvGrpSpPr/>
+        <p:nvPr/>
+      </p:nvGrpSpPr>
+      <p:grpSpPr>
+        <a:xfrm>
+          <a:off x="0" y="0"/>
+          <a:ext cx="0" cy="0"/>
+          <a:chOff x="0" y="0"/>
+          <a:chExt cx="0" cy="0"/>
+        </a:xfrm>
+      </p:grpSpPr>
+      <p:pic>
+        <p:nvPicPr>
+          <p:cNvPr id="5" name="Immagine 4" descr="Immagine che contiene testo&#10;&#10;Descrizione generata automaticamente">
+            <a:extLst>
+              <a:ext uri="{FF2B5EF4-FFF2-40B4-BE49-F238E27FC236}">
+                <a16:creationId xmlns:a16="http://schemas.microsoft.com/office/drawing/2014/main" id="{80B2AE97-5CDB-48D5-B843-A68C262DA427}"/>
+              </a:ext>
+            </a:extLst>
+          </p:cNvPr>
+          <p:cNvPicPr>
+            <a:picLocks noChangeAspect="1"/>
+          </p:cNvPicPr>
+          <p:nvPr/>
+        </p:nvPicPr>
+        <p:blipFill>
+          <a:blip r:embed="rId2">
+            <a:extLst>
+              <a:ext uri="{28A0092B-C50C-407E-A947-70E740481C1C}">
+                <a14:useLocalDpi xmlns:a14="http://schemas.microsoft.com/office/drawing/2010/main" val="0"/>
+              </a:ext>
+            </a:extLst>
+          </a:blip>
+          <a:stretch>
+            <a:fillRect/>
+          </a:stretch>
+        </p:blipFill>
+        <p:spPr>
+          <a:xfrm>
+            <a:off x="1425" y="0"/>
+            <a:ext cx="12189149" cy="6858000"/>
+          </a:xfrm>
+          <a:prstGeom prst="rect">
+            <a:avLst/>
+          </a:prstGeom>
+        </p:spPr>
+      </p:pic>
+      <p:sp>
+        <p:nvSpPr>
+          <p:cNvPr id="6" name="Freccia a destra 5">
+            <a:extLst>
+              <a:ext uri="{FF2B5EF4-FFF2-40B4-BE49-F238E27FC236}">
+                <a16:creationId xmlns:a16="http://schemas.microsoft.com/office/drawing/2014/main" id="{08C27E81-7CE9-4798-AFF1-339FBF3A498E}"/>
+              </a:ext>
+            </a:extLst>
+          </p:cNvPr>
+          <p:cNvSpPr/>
+          <p:nvPr/>
+        </p:nvSpPr>
+        <p:spPr>
+          <a:xfrm rot="13346563">
+            <a:off x="5316224" y="5887959"/>
+            <a:ext cx="1063690" cy="522514"/>
+          </a:xfrm>
+          <a:prstGeom prst="rightArrow">
+            <a:avLst/>
+          </a:prstGeom>
+        </p:spPr>
+        <p:style>
+          <a:lnRef idx="2">
+            <a:schemeClr val="accent1">
+              <a:shade val="50000"/>
+            </a:schemeClr>
+          </a:lnRef>
+          <a:fillRef idx="1">
+            <a:schemeClr val="accent1"/>
+          </a:fillRef>
+          <a:effectRef idx="0">
+            <a:schemeClr val="accent1"/>
+          </a:effectRef>
+          <a:fontRef idx="minor">
+            <a:schemeClr val="lt1"/>
+          </a:fontRef>
+        </p:style>
+        <p:txBody>
+          <a:bodyPr rtlCol="0" anchor="ctr"/>
+          <a:lstStyle/>
+          <a:p>
+            <a:pPr algn="ctr"/>
+            <a:endParaRPr lang="it-IT">
+              <a:ln w="0"/>
+              <a:solidFill>
+                <a:schemeClr val="tx1"/>
+              </a:solidFill>
+              <a:effectLst>
+                <a:outerShdw blurRad="38100" dist="19050" dir="2700000" algn="tl" rotWithShape="0">
+                  <a:schemeClr val="dk1">
+                    <a:alpha val="40000"/>
+                  </a:schemeClr>
+                </a:outerShdw>
+              </a:effectLst>
+            </a:endParaRPr>
+          </a:p>
+        </p:txBody>
+      </p:sp>
+      <p:sp>
+        <p:nvSpPr>
+          <p:cNvPr id="7" name="CasellaDiTesto 6">
+            <a:extLst>
+              <a:ext uri="{FF2B5EF4-FFF2-40B4-BE49-F238E27FC236}">
+                <a16:creationId xmlns:a16="http://schemas.microsoft.com/office/drawing/2014/main" id="{3A303788-C3C7-4634-B546-B9F251B8774C}"/>
+              </a:ext>
+            </a:extLst>
+          </p:cNvPr>
+          <p:cNvSpPr txBox="1"/>
+          <p:nvPr/>
+        </p:nvSpPr>
+        <p:spPr>
+          <a:xfrm>
+            <a:off x="6311128" y="6331597"/>
+            <a:ext cx="2043280" cy="369332"/>
+          </a:xfrm>
+          <a:prstGeom prst="rect">
+            <a:avLst/>
+          </a:prstGeom>
+          <a:noFill/>
+        </p:spPr>
+        <p:txBody>
+          <a:bodyPr wrap="square" rtlCol="0">
+            <a:spAutoFit/>
+          </a:bodyPr>
+          <a:lstStyle/>
+          <a:p>
+            <a:r>
+              <a:rPr lang="it-IT" dirty="0"/>
+              <a:t>Click qui</a:t>
+            </a:r>
+          </a:p>
+        </p:txBody>
+      </p:sp>
+    </p:spTree>
+    <p:extLst>
+      <p:ext uri="{BB962C8B-B14F-4D97-AF65-F5344CB8AC3E}">
+        <p14:creationId xmlns:p14="http://schemas.microsoft.com/office/powerpoint/2010/main" val="1211472890"/>
+      </p:ext>
+    </p:extLst>
+  </p:cSld>
+  <p:clrMapOvr>
+    <a:masterClrMapping/>
+  </p:clrMapOvr>
+</p:sld>
+</file>
+
+<file path=ppt/slides/slide26.xml><?xml version="1.0" encoding="utf-8"?>
+<p:sld xmlns:a="http://schemas.openxmlformats.org/drawingml/2006/main" xmlns:r="http://schemas.openxmlformats.org/officeDocument/2006/relationships" xmlns:p="http://schemas.openxmlformats.org/presentationml/2006/main">
+  <p:cSld>
+    <p:spTree>
+      <p:nvGrpSpPr>
+        <p:cNvPr id="1" name=""/>
+        <p:cNvGrpSpPr/>
+        <p:nvPr/>
+      </p:nvGrpSpPr>
+      <p:grpSpPr>
+        <a:xfrm>
+          <a:off x="0" y="0"/>
+          <a:ext cx="0" cy="0"/>
+          <a:chOff x="0" y="0"/>
+          <a:chExt cx="0" cy="0"/>
+        </a:xfrm>
+      </p:grpSpPr>
+      <p:pic>
+        <p:nvPicPr>
+          <p:cNvPr id="5" name="Immagine 4">
+            <a:extLst>
+              <a:ext uri="{FF2B5EF4-FFF2-40B4-BE49-F238E27FC236}">
+                <a16:creationId xmlns:a16="http://schemas.microsoft.com/office/drawing/2014/main" id="{694ABA50-573C-45AD-BCAF-DA1A5CEE8EF1}"/>
+              </a:ext>
+            </a:extLst>
+          </p:cNvPr>
+          <p:cNvPicPr>
+            <a:picLocks noChangeAspect="1"/>
+          </p:cNvPicPr>
+          <p:nvPr/>
+        </p:nvPicPr>
+        <p:blipFill>
+          <a:blip r:embed="rId2">
+            <a:extLst>
+              <a:ext uri="{28A0092B-C50C-407E-A947-70E740481C1C}">
+                <a14:useLocalDpi xmlns:a14="http://schemas.microsoft.com/office/drawing/2010/main" val="0"/>
+              </a:ext>
+            </a:extLst>
+          </a:blip>
+          <a:stretch>
+            <a:fillRect/>
+          </a:stretch>
+        </p:blipFill>
+        <p:spPr>
+          <a:xfrm>
+            <a:off x="1425" y="0"/>
+            <a:ext cx="12189149" cy="6858000"/>
+          </a:xfrm>
+          <a:prstGeom prst="rect">
+            <a:avLst/>
+          </a:prstGeom>
+        </p:spPr>
+      </p:pic>
+      <p:sp>
+        <p:nvSpPr>
+          <p:cNvPr id="6" name="Freccia a destra 5">
+            <a:extLst>
+              <a:ext uri="{FF2B5EF4-FFF2-40B4-BE49-F238E27FC236}">
+                <a16:creationId xmlns:a16="http://schemas.microsoft.com/office/drawing/2014/main" id="{C1E7393B-3CAF-4F8A-B1C7-78458BF2FB32}"/>
+              </a:ext>
+            </a:extLst>
+          </p:cNvPr>
+          <p:cNvSpPr/>
+          <p:nvPr/>
+        </p:nvSpPr>
+        <p:spPr>
+          <a:xfrm rot="13346563">
+            <a:off x="8193647" y="5837623"/>
+            <a:ext cx="1063690" cy="522514"/>
+          </a:xfrm>
+          <a:prstGeom prst="rightArrow">
+            <a:avLst/>
+          </a:prstGeom>
+        </p:spPr>
+        <p:style>
+          <a:lnRef idx="2">
+            <a:schemeClr val="accent1">
+              <a:shade val="50000"/>
+            </a:schemeClr>
+          </a:lnRef>
+          <a:fillRef idx="1">
+            <a:schemeClr val="accent1"/>
+          </a:fillRef>
+          <a:effectRef idx="0">
+            <a:schemeClr val="accent1"/>
+          </a:effectRef>
+          <a:fontRef idx="minor">
+            <a:schemeClr val="lt1"/>
+          </a:fontRef>
+        </p:style>
+        <p:txBody>
+          <a:bodyPr rtlCol="0" anchor="ctr"/>
+          <a:lstStyle/>
+          <a:p>
+            <a:pPr algn="ctr"/>
+            <a:endParaRPr lang="it-IT">
+              <a:ln w="0"/>
+              <a:solidFill>
+                <a:schemeClr val="tx1"/>
+              </a:solidFill>
+              <a:effectLst>
+                <a:outerShdw blurRad="38100" dist="19050" dir="2700000" algn="tl" rotWithShape="0">
+                  <a:schemeClr val="dk1">
+                    <a:alpha val="40000"/>
+                  </a:schemeClr>
+                </a:outerShdw>
+              </a:effectLst>
+            </a:endParaRPr>
+          </a:p>
+        </p:txBody>
+      </p:sp>
+      <p:sp>
+        <p:nvSpPr>
+          <p:cNvPr id="7" name="CasellaDiTesto 6">
+            <a:extLst>
+              <a:ext uri="{FF2B5EF4-FFF2-40B4-BE49-F238E27FC236}">
+                <a16:creationId xmlns:a16="http://schemas.microsoft.com/office/drawing/2014/main" id="{6DE09F5D-15EB-4DBD-B18F-93FFC5DB21E7}"/>
+              </a:ext>
+            </a:extLst>
+          </p:cNvPr>
+          <p:cNvSpPr txBox="1"/>
+          <p:nvPr/>
+        </p:nvSpPr>
+        <p:spPr>
+          <a:xfrm>
+            <a:off x="9188551" y="6281261"/>
+            <a:ext cx="2043280" cy="369332"/>
+          </a:xfrm>
+          <a:prstGeom prst="rect">
+            <a:avLst/>
+          </a:prstGeom>
+          <a:noFill/>
+        </p:spPr>
+        <p:txBody>
+          <a:bodyPr wrap="square" rtlCol="0">
+            <a:spAutoFit/>
+          </a:bodyPr>
+          <a:lstStyle/>
+          <a:p>
+            <a:r>
+              <a:rPr lang="it-IT" dirty="0"/>
+              <a:t>Click qui</a:t>
+            </a:r>
+          </a:p>
+        </p:txBody>
+      </p:sp>
+    </p:spTree>
+    <p:extLst>
+      <p:ext uri="{BB962C8B-B14F-4D97-AF65-F5344CB8AC3E}">
+        <p14:creationId xmlns:p14="http://schemas.microsoft.com/office/powerpoint/2010/main" val="2109294914"/>
+      </p:ext>
+    </p:extLst>
+  </p:cSld>
+  <p:clrMapOvr>
+    <a:masterClrMapping/>
+  </p:clrMapOvr>
+</p:sld>
+</file>
+
+<file path=ppt/slides/slide27.xml><?xml version="1.0" encoding="utf-8"?>
+<p:sld xmlns:a="http://schemas.openxmlformats.org/drawingml/2006/main" xmlns:r="http://schemas.openxmlformats.org/officeDocument/2006/relationships" xmlns:p="http://schemas.openxmlformats.org/presentationml/2006/main">
+  <p:cSld>
+    <p:spTree>
+      <p:nvGrpSpPr>
+        <p:cNvPr id="1" name=""/>
+        <p:cNvGrpSpPr/>
+        <p:nvPr/>
+      </p:nvGrpSpPr>
+      <p:grpSpPr>
+        <a:xfrm>
+          <a:off x="0" y="0"/>
+          <a:ext cx="0" cy="0"/>
+          <a:chOff x="0" y="0"/>
+          <a:chExt cx="0" cy="0"/>
+        </a:xfrm>
+      </p:grpSpPr>
+      <p:pic>
+        <p:nvPicPr>
+          <p:cNvPr id="5" name="Immagine 4">
+            <a:extLst>
+              <a:ext uri="{FF2B5EF4-FFF2-40B4-BE49-F238E27FC236}">
+                <a16:creationId xmlns:a16="http://schemas.microsoft.com/office/drawing/2014/main" id="{046FC2C4-FB3B-4240-B1E3-1178D62C994B}"/>
+              </a:ext>
+            </a:extLst>
+          </p:cNvPr>
+          <p:cNvPicPr>
+            <a:picLocks noChangeAspect="1"/>
+          </p:cNvPicPr>
+          <p:nvPr/>
+        </p:nvPicPr>
+        <p:blipFill>
+          <a:blip r:embed="rId2">
+            <a:extLst>
+              <a:ext uri="{28A0092B-C50C-407E-A947-70E740481C1C}">
+                <a14:useLocalDpi xmlns:a14="http://schemas.microsoft.com/office/drawing/2010/main" val="0"/>
+              </a:ext>
+            </a:extLst>
+          </a:blip>
+          <a:stretch>
+            <a:fillRect/>
+          </a:stretch>
+        </p:blipFill>
+        <p:spPr>
+          <a:xfrm>
+            <a:off x="1425" y="0"/>
+            <a:ext cx="12189149" cy="6858000"/>
+          </a:xfrm>
+          <a:prstGeom prst="rect">
+            <a:avLst/>
+          </a:prstGeom>
+        </p:spPr>
+      </p:pic>
+    </p:spTree>
+    <p:extLst>
+      <p:ext uri="{BB962C8B-B14F-4D97-AF65-F5344CB8AC3E}">
+        <p14:creationId xmlns:p14="http://schemas.microsoft.com/office/powerpoint/2010/main" val="1354870586"/>
+      </p:ext>
+    </p:extLst>
+  </p:cSld>
+  <p:clrMapOvr>
+    <a:masterClrMapping/>
+  </p:clrMapOvr>
+</p:sld>
+</file>
+
 <file path=ppt/slides/slide3.xml><?xml version="1.0" encoding="utf-8"?>
 <p:sld xmlns:a="http://schemas.openxmlformats.org/drawingml/2006/main" xmlns:r="http://schemas.openxmlformats.org/officeDocument/2006/relationships" xmlns:p="http://schemas.openxmlformats.org/presentationml/2006/main">
   <p:cSld>
